--- a/TechWave Project.pptx
+++ b/TechWave Project.pptx
@@ -4205,170 +4205,6 @@
           </a:p>
         </p:txBody>
       </p:sp>
-      <p:sp>
-        <p:nvSpPr>
-          <p:cNvPr name="TextBox 15" id="15"/>
-          <p:cNvSpPr txBox="true"/>
-          <p:nvPr/>
-        </p:nvSpPr>
-        <p:spPr>
-          <a:xfrm rot="0">
-            <a:off x="9144000" y="8306312"/>
-            <a:ext cx="6740820" cy="573405"/>
-          </a:xfrm>
-          <a:prstGeom prst="rect">
-            <a:avLst/>
-          </a:prstGeom>
-        </p:spPr>
-        <p:txBody>
-          <a:bodyPr anchor="t" rtlCol="false" tIns="0" lIns="0" bIns="0" rIns="0">
-            <a:spAutoFit/>
-          </a:bodyPr>
-          <a:lstStyle/>
-          <a:p>
-            <a:pPr algn="ctr">
-              <a:lnSpc>
-                <a:spcPts val="4620"/>
-              </a:lnSpc>
-              <a:spcBef>
-                <a:spcPct val="0"/>
-              </a:spcBef>
-            </a:pPr>
-            <a:r>
-              <a:rPr lang="en-US" b="true" sz="3300" u="sng">
-                <a:solidFill>
-                  <a:srgbClr val="00A181"/>
-                </a:solidFill>
-                <a:latin typeface="Fira Sans Medium"/>
-                <a:ea typeface="Fira Sans Medium"/>
-                <a:cs typeface="Fira Sans Medium"/>
-                <a:sym typeface="Fira Sans Medium"/>
-                <a:hlinkClick r:id="rId3" tooltip="https://docs.google.com/document/d/1kbechjti4L1h-BhRT9TFH3uYua4efeU6/edit"/>
-              </a:rPr>
-              <a:t>Link &amp; Explanation</a:t>
-            </a:r>
-          </a:p>
-        </p:txBody>
-      </p:sp>
-      <p:grpSp>
-        <p:nvGrpSpPr>
-          <p:cNvPr name="Group 16" id="16"/>
-          <p:cNvGrpSpPr/>
-          <p:nvPr/>
-        </p:nvGrpSpPr>
-        <p:grpSpPr>
-          <a:xfrm rot="0">
-            <a:off x="8226468" y="8227172"/>
-            <a:ext cx="1835063" cy="807886"/>
-            <a:chOff x="0" y="0"/>
-            <a:chExt cx="2446751" cy="1077181"/>
-          </a:xfrm>
-        </p:grpSpPr>
-        <p:sp>
-          <p:nvSpPr>
-            <p:cNvPr name="Freeform 17" id="17"/>
-            <p:cNvSpPr/>
-            <p:nvPr/>
-          </p:nvSpPr>
-          <p:spPr>
-            <a:xfrm flipH="false" flipV="false" rot="0">
-              <a:off x="0" y="0"/>
-              <a:ext cx="1028218" cy="1077181"/>
-            </a:xfrm>
-            <a:custGeom>
-              <a:avLst/>
-              <a:gdLst/>
-              <a:ahLst/>
-              <a:cxnLst/>
-              <a:rect r="r" b="b" t="t" l="l"/>
-              <a:pathLst>
-                <a:path h="1077181" w="1028218">
-                  <a:moveTo>
-                    <a:pt x="0" y="0"/>
-                  </a:moveTo>
-                  <a:lnTo>
-                    <a:pt x="1028218" y="0"/>
-                  </a:lnTo>
-                  <a:lnTo>
-                    <a:pt x="1028218" y="1077181"/>
-                  </a:lnTo>
-                  <a:lnTo>
-                    <a:pt x="0" y="1077181"/>
-                  </a:lnTo>
-                  <a:lnTo>
-                    <a:pt x="0" y="0"/>
-                  </a:lnTo>
-                  <a:close/>
-                </a:path>
-              </a:pathLst>
-            </a:custGeom>
-            <a:blipFill>
-              <a:blip r:embed="rId4">
-                <a:extLst>
-                  <a:ext uri="{96DAC541-7B7A-43D3-8B79-37D633B846F1}">
-                    <asvg:svgBlip xmlns:asvg="http://schemas.microsoft.com/office/drawing/2016/SVG/main" r:embed="rId5"/>
-                  </a:ext>
-                </a:extLst>
-              </a:blip>
-              <a:stretch>
-                <a:fillRect l="0" t="0" r="0" b="0"/>
-              </a:stretch>
-            </a:blipFill>
-          </p:spPr>
-        </p:sp>
-        <p:sp>
-          <p:nvSpPr>
-            <p:cNvPr name="Freeform 18" id="18"/>
-            <p:cNvSpPr/>
-            <p:nvPr/>
-          </p:nvSpPr>
-          <p:spPr>
-            <a:xfrm flipH="false" flipV="false" rot="0">
-              <a:off x="1743646" y="0"/>
-              <a:ext cx="703105" cy="1077181"/>
-            </a:xfrm>
-            <a:custGeom>
-              <a:avLst/>
-              <a:gdLst/>
-              <a:ahLst/>
-              <a:cxnLst/>
-              <a:rect r="r" b="b" t="t" l="l"/>
-              <a:pathLst>
-                <a:path h="1077181" w="703105">
-                  <a:moveTo>
-                    <a:pt x="0" y="0"/>
-                  </a:moveTo>
-                  <a:lnTo>
-                    <a:pt x="703105" y="0"/>
-                  </a:lnTo>
-                  <a:lnTo>
-                    <a:pt x="703105" y="1077181"/>
-                  </a:lnTo>
-                  <a:lnTo>
-                    <a:pt x="0" y="1077181"/>
-                  </a:lnTo>
-                  <a:lnTo>
-                    <a:pt x="0" y="0"/>
-                  </a:lnTo>
-                  <a:close/>
-                </a:path>
-              </a:pathLst>
-            </a:custGeom>
-            <a:blipFill>
-              <a:blip r:embed="rId6">
-                <a:extLst>
-                  <a:ext uri="{96DAC541-7B7A-43D3-8B79-37D633B846F1}">
-                    <asvg:svgBlip xmlns:asvg="http://schemas.microsoft.com/office/drawing/2016/SVG/main" r:embed="rId7"/>
-                  </a:ext>
-                </a:extLst>
-              </a:blip>
-              <a:stretch>
-                <a:fillRect l="0" t="0" r="0" b="0"/>
-              </a:stretch>
-            </a:blipFill>
-          </p:spPr>
-        </p:sp>
-      </p:grpSp>
     </p:spTree>
   </p:cSld>
   <p:clrMapOvr>
@@ -4787,134 +4623,15 @@
         </p:nvGrpSpPr>
         <p:grpSpPr>
           <a:xfrm rot="0">
-            <a:off x="10365392" y="8442077"/>
-            <a:ext cx="1835063" cy="807886"/>
+            <a:off x="140526" y="8227172"/>
+            <a:ext cx="4387545" cy="1015092"/>
             <a:chOff x="0" y="0"/>
-            <a:chExt cx="2446751" cy="1077181"/>
+            <a:chExt cx="5850060" cy="1353456"/>
           </a:xfrm>
         </p:grpSpPr>
         <p:sp>
           <p:nvSpPr>
             <p:cNvPr name="Freeform 12" id="12"/>
-            <p:cNvSpPr/>
-            <p:nvPr/>
-          </p:nvSpPr>
-          <p:spPr>
-            <a:xfrm flipH="false" flipV="false" rot="0">
-              <a:off x="0" y="0"/>
-              <a:ext cx="1028218" cy="1077181"/>
-            </a:xfrm>
-            <a:custGeom>
-              <a:avLst/>
-              <a:gdLst/>
-              <a:ahLst/>
-              <a:cxnLst/>
-              <a:rect r="r" b="b" t="t" l="l"/>
-              <a:pathLst>
-                <a:path h="1077181" w="1028218">
-                  <a:moveTo>
-                    <a:pt x="0" y="0"/>
-                  </a:moveTo>
-                  <a:lnTo>
-                    <a:pt x="1028218" y="0"/>
-                  </a:lnTo>
-                  <a:lnTo>
-                    <a:pt x="1028218" y="1077181"/>
-                  </a:lnTo>
-                  <a:lnTo>
-                    <a:pt x="0" y="1077181"/>
-                  </a:lnTo>
-                  <a:lnTo>
-                    <a:pt x="0" y="0"/>
-                  </a:lnTo>
-                  <a:close/>
-                </a:path>
-              </a:pathLst>
-            </a:custGeom>
-            <a:blipFill>
-              <a:blip r:embed="rId2">
-                <a:extLst>
-                  <a:ext uri="{96DAC541-7B7A-43D3-8B79-37D633B846F1}">
-                    <asvg:svgBlip xmlns:asvg="http://schemas.microsoft.com/office/drawing/2016/SVG/main" r:embed="rId3"/>
-                  </a:ext>
-                </a:extLst>
-              </a:blip>
-              <a:stretch>
-                <a:fillRect l="0" t="0" r="0" b="0"/>
-              </a:stretch>
-            </a:blipFill>
-          </p:spPr>
-        </p:sp>
-        <p:sp>
-          <p:nvSpPr>
-            <p:cNvPr name="Freeform 13" id="13"/>
-            <p:cNvSpPr/>
-            <p:nvPr/>
-          </p:nvSpPr>
-          <p:spPr>
-            <a:xfrm flipH="false" flipV="false" rot="0">
-              <a:off x="1743646" y="0"/>
-              <a:ext cx="703105" cy="1077181"/>
-            </a:xfrm>
-            <a:custGeom>
-              <a:avLst/>
-              <a:gdLst/>
-              <a:ahLst/>
-              <a:cxnLst/>
-              <a:rect r="r" b="b" t="t" l="l"/>
-              <a:pathLst>
-                <a:path h="1077181" w="703105">
-                  <a:moveTo>
-                    <a:pt x="0" y="0"/>
-                  </a:moveTo>
-                  <a:lnTo>
-                    <a:pt x="703105" y="0"/>
-                  </a:lnTo>
-                  <a:lnTo>
-                    <a:pt x="703105" y="1077181"/>
-                  </a:lnTo>
-                  <a:lnTo>
-                    <a:pt x="0" y="1077181"/>
-                  </a:lnTo>
-                  <a:lnTo>
-                    <a:pt x="0" y="0"/>
-                  </a:lnTo>
-                  <a:close/>
-                </a:path>
-              </a:pathLst>
-            </a:custGeom>
-            <a:blipFill>
-              <a:blip r:embed="rId4">
-                <a:extLst>
-                  <a:ext uri="{96DAC541-7B7A-43D3-8B79-37D633B846F1}">
-                    <asvg:svgBlip xmlns:asvg="http://schemas.microsoft.com/office/drawing/2016/SVG/main" r:embed="rId5"/>
-                  </a:ext>
-                </a:extLst>
-              </a:blip>
-              <a:stretch>
-                <a:fillRect l="0" t="0" r="0" b="0"/>
-              </a:stretch>
-            </a:blipFill>
-          </p:spPr>
-        </p:sp>
-      </p:grpSp>
-      <p:grpSp>
-        <p:nvGrpSpPr>
-          <p:cNvPr name="Group 14" id="14"/>
-          <p:cNvGrpSpPr/>
-          <p:nvPr/>
-        </p:nvGrpSpPr>
-        <p:grpSpPr>
-          <a:xfrm rot="0">
-            <a:off x="140526" y="8227172"/>
-            <a:ext cx="4387545" cy="1015092"/>
-            <a:chOff x="0" y="0"/>
-            <a:chExt cx="5850060" cy="1353456"/>
-          </a:xfrm>
-        </p:grpSpPr>
-        <p:sp>
-          <p:nvSpPr>
-            <p:cNvPr name="Freeform 15" id="15"/>
             <p:cNvSpPr/>
             <p:nvPr/>
           </p:nvSpPr>
@@ -4951,7 +4668,7 @@
               </a:pathLst>
             </a:custGeom>
             <a:blipFill>
-              <a:blip r:embed="rId6"/>
+              <a:blip r:embed="rId2"/>
               <a:stretch>
                 <a:fillRect l="0" t="0" r="0" b="0"/>
               </a:stretch>
@@ -4960,7 +4677,7 @@
         </p:sp>
         <p:sp>
           <p:nvSpPr>
-            <p:cNvPr name="TextBox 16" id="16"/>
+            <p:cNvPr name="TextBox 13" id="13"/>
             <p:cNvSpPr txBox="true"/>
             <p:nvPr/>
           </p:nvSpPr>
@@ -5005,7 +4722,7 @@
       </p:grpSp>
       <p:sp>
         <p:nvSpPr>
-          <p:cNvPr name="TextBox 17" id="17"/>
+          <p:cNvPr name="TextBox 14" id="14"/>
           <p:cNvSpPr txBox="true"/>
           <p:nvPr/>
         </p:nvSpPr>
@@ -5040,50 +4757,6 @@
                 <a:sym typeface="Droid Arabic Naskh Bold"/>
               </a:rPr>
               <a:t>Disaster Recovery Plan</a:t>
-            </a:r>
-          </a:p>
-        </p:txBody>
-      </p:sp>
-      <p:sp>
-        <p:nvSpPr>
-          <p:cNvPr name="TextBox 18" id="18"/>
-          <p:cNvSpPr txBox="true"/>
-          <p:nvPr/>
-        </p:nvSpPr>
-        <p:spPr>
-          <a:xfrm rot="0">
-            <a:off x="11282924" y="8607478"/>
-            <a:ext cx="6740820" cy="573405"/>
-          </a:xfrm>
-          <a:prstGeom prst="rect">
-            <a:avLst/>
-          </a:prstGeom>
-        </p:spPr>
-        <p:txBody>
-          <a:bodyPr anchor="t" rtlCol="false" tIns="0" lIns="0" bIns="0" rIns="0">
-            <a:spAutoFit/>
-          </a:bodyPr>
-          <a:lstStyle/>
-          <a:p>
-            <a:pPr algn="ctr">
-              <a:lnSpc>
-                <a:spcPts val="4620"/>
-              </a:lnSpc>
-              <a:spcBef>
-                <a:spcPct val="0"/>
-              </a:spcBef>
-            </a:pPr>
-            <a:r>
-              <a:rPr lang="en-US" b="true" sz="3300">
-                <a:solidFill>
-                  <a:srgbClr val="00A181"/>
-                </a:solidFill>
-                <a:latin typeface="Fira Sans Medium"/>
-                <a:ea typeface="Fira Sans Medium"/>
-                <a:cs typeface="Fira Sans Medium"/>
-                <a:sym typeface="Fira Sans Medium"/>
-              </a:rPr>
-              <a:t>Explanation</a:t>
             </a:r>
           </a:p>
         </p:txBody>
@@ -5506,134 +5179,15 @@
         </p:nvGrpSpPr>
         <p:grpSpPr>
           <a:xfrm rot="0">
-            <a:off x="10837826" y="8854357"/>
-            <a:ext cx="1835063" cy="807886"/>
+            <a:off x="140526" y="8227172"/>
+            <a:ext cx="4387545" cy="1015092"/>
             <a:chOff x="0" y="0"/>
-            <a:chExt cx="2446751" cy="1077181"/>
+            <a:chExt cx="5850060" cy="1353456"/>
           </a:xfrm>
         </p:grpSpPr>
         <p:sp>
           <p:nvSpPr>
             <p:cNvPr name="Freeform 12" id="12"/>
-            <p:cNvSpPr/>
-            <p:nvPr/>
-          </p:nvSpPr>
-          <p:spPr>
-            <a:xfrm flipH="false" flipV="false" rot="0">
-              <a:off x="0" y="0"/>
-              <a:ext cx="1028218" cy="1077181"/>
-            </a:xfrm>
-            <a:custGeom>
-              <a:avLst/>
-              <a:gdLst/>
-              <a:ahLst/>
-              <a:cxnLst/>
-              <a:rect r="r" b="b" t="t" l="l"/>
-              <a:pathLst>
-                <a:path h="1077181" w="1028218">
-                  <a:moveTo>
-                    <a:pt x="0" y="0"/>
-                  </a:moveTo>
-                  <a:lnTo>
-                    <a:pt x="1028218" y="0"/>
-                  </a:lnTo>
-                  <a:lnTo>
-                    <a:pt x="1028218" y="1077181"/>
-                  </a:lnTo>
-                  <a:lnTo>
-                    <a:pt x="0" y="1077181"/>
-                  </a:lnTo>
-                  <a:lnTo>
-                    <a:pt x="0" y="0"/>
-                  </a:lnTo>
-                  <a:close/>
-                </a:path>
-              </a:pathLst>
-            </a:custGeom>
-            <a:blipFill>
-              <a:blip r:embed="rId2">
-                <a:extLst>
-                  <a:ext uri="{96DAC541-7B7A-43D3-8B79-37D633B846F1}">
-                    <asvg:svgBlip xmlns:asvg="http://schemas.microsoft.com/office/drawing/2016/SVG/main" r:embed="rId3"/>
-                  </a:ext>
-                </a:extLst>
-              </a:blip>
-              <a:stretch>
-                <a:fillRect l="0" t="0" r="0" b="0"/>
-              </a:stretch>
-            </a:blipFill>
-          </p:spPr>
-        </p:sp>
-        <p:sp>
-          <p:nvSpPr>
-            <p:cNvPr name="Freeform 13" id="13"/>
-            <p:cNvSpPr/>
-            <p:nvPr/>
-          </p:nvSpPr>
-          <p:spPr>
-            <a:xfrm flipH="false" flipV="false" rot="0">
-              <a:off x="1743646" y="0"/>
-              <a:ext cx="703105" cy="1077181"/>
-            </a:xfrm>
-            <a:custGeom>
-              <a:avLst/>
-              <a:gdLst/>
-              <a:ahLst/>
-              <a:cxnLst/>
-              <a:rect r="r" b="b" t="t" l="l"/>
-              <a:pathLst>
-                <a:path h="1077181" w="703105">
-                  <a:moveTo>
-                    <a:pt x="0" y="0"/>
-                  </a:moveTo>
-                  <a:lnTo>
-                    <a:pt x="703105" y="0"/>
-                  </a:lnTo>
-                  <a:lnTo>
-                    <a:pt x="703105" y="1077181"/>
-                  </a:lnTo>
-                  <a:lnTo>
-                    <a:pt x="0" y="1077181"/>
-                  </a:lnTo>
-                  <a:lnTo>
-                    <a:pt x="0" y="0"/>
-                  </a:lnTo>
-                  <a:close/>
-                </a:path>
-              </a:pathLst>
-            </a:custGeom>
-            <a:blipFill>
-              <a:blip r:embed="rId4">
-                <a:extLst>
-                  <a:ext uri="{96DAC541-7B7A-43D3-8B79-37D633B846F1}">
-                    <asvg:svgBlip xmlns:asvg="http://schemas.microsoft.com/office/drawing/2016/SVG/main" r:embed="rId5"/>
-                  </a:ext>
-                </a:extLst>
-              </a:blip>
-              <a:stretch>
-                <a:fillRect l="0" t="0" r="0" b="0"/>
-              </a:stretch>
-            </a:blipFill>
-          </p:spPr>
-        </p:sp>
-      </p:grpSp>
-      <p:grpSp>
-        <p:nvGrpSpPr>
-          <p:cNvPr name="Group 14" id="14"/>
-          <p:cNvGrpSpPr/>
-          <p:nvPr/>
-        </p:nvGrpSpPr>
-        <p:grpSpPr>
-          <a:xfrm rot="0">
-            <a:off x="140526" y="8227172"/>
-            <a:ext cx="4387545" cy="1015092"/>
-            <a:chOff x="0" y="0"/>
-            <a:chExt cx="5850060" cy="1353456"/>
-          </a:xfrm>
-        </p:grpSpPr>
-        <p:sp>
-          <p:nvSpPr>
-            <p:cNvPr name="Freeform 15" id="15"/>
             <p:cNvSpPr/>
             <p:nvPr/>
           </p:nvSpPr>
@@ -5670,7 +5224,7 @@
               </a:pathLst>
             </a:custGeom>
             <a:blipFill>
-              <a:blip r:embed="rId6"/>
+              <a:blip r:embed="rId2"/>
               <a:stretch>
                 <a:fillRect l="0" t="0" r="0" b="0"/>
               </a:stretch>
@@ -5679,7 +5233,7 @@
         </p:sp>
         <p:sp>
           <p:nvSpPr>
-            <p:cNvPr name="TextBox 16" id="16"/>
+            <p:cNvPr name="TextBox 13" id="13"/>
             <p:cNvSpPr txBox="true"/>
             <p:nvPr/>
           </p:nvSpPr>
@@ -5724,7 +5278,7 @@
       </p:grpSp>
       <p:sp>
         <p:nvSpPr>
-          <p:cNvPr name="TextBox 17" id="17"/>
+          <p:cNvPr name="TextBox 14" id="14"/>
           <p:cNvSpPr txBox="true"/>
           <p:nvPr/>
         </p:nvSpPr>
@@ -5759,50 +5313,6 @@
                 <a:sym typeface="Droid Arabic Naskh Bold"/>
               </a:rPr>
               <a:t>Disaster Recovery Plan</a:t>
-            </a:r>
-          </a:p>
-        </p:txBody>
-      </p:sp>
-      <p:sp>
-        <p:nvSpPr>
-          <p:cNvPr name="TextBox 18" id="18"/>
-          <p:cNvSpPr txBox="true"/>
-          <p:nvPr/>
-        </p:nvSpPr>
-        <p:spPr>
-          <a:xfrm rot="0">
-            <a:off x="11280570" y="8904933"/>
-            <a:ext cx="6740820" cy="573405"/>
-          </a:xfrm>
-          <a:prstGeom prst="rect">
-            <a:avLst/>
-          </a:prstGeom>
-        </p:spPr>
-        <p:txBody>
-          <a:bodyPr anchor="t" rtlCol="false" tIns="0" lIns="0" bIns="0" rIns="0">
-            <a:spAutoFit/>
-          </a:bodyPr>
-          <a:lstStyle/>
-          <a:p>
-            <a:pPr algn="ctr">
-              <a:lnSpc>
-                <a:spcPts val="4620"/>
-              </a:lnSpc>
-              <a:spcBef>
-                <a:spcPct val="0"/>
-              </a:spcBef>
-            </a:pPr>
-            <a:r>
-              <a:rPr lang="en-US" b="true" sz="3300">
-                <a:solidFill>
-                  <a:srgbClr val="00A181"/>
-                </a:solidFill>
-                <a:latin typeface="Fira Sans Medium"/>
-                <a:ea typeface="Fira Sans Medium"/>
-                <a:cs typeface="Fira Sans Medium"/>
-                <a:sym typeface="Fira Sans Medium"/>
-              </a:rPr>
-              <a:t>Explanation</a:t>
             </a:r>
           </a:p>
         </p:txBody>
@@ -6348,134 +5858,15 @@
         </p:nvGrpSpPr>
         <p:grpSpPr>
           <a:xfrm rot="0">
-            <a:off x="8403551" y="8547865"/>
-            <a:ext cx="1835063" cy="807886"/>
+            <a:off x="140526" y="8227172"/>
+            <a:ext cx="4387545" cy="1015092"/>
             <a:chOff x="0" y="0"/>
-            <a:chExt cx="2446751" cy="1077181"/>
+            <a:chExt cx="5850060" cy="1353456"/>
           </a:xfrm>
         </p:grpSpPr>
         <p:sp>
           <p:nvSpPr>
             <p:cNvPr name="Freeform 12" id="12"/>
-            <p:cNvSpPr/>
-            <p:nvPr/>
-          </p:nvSpPr>
-          <p:spPr>
-            <a:xfrm flipH="false" flipV="false" rot="0">
-              <a:off x="0" y="0"/>
-              <a:ext cx="1028218" cy="1077181"/>
-            </a:xfrm>
-            <a:custGeom>
-              <a:avLst/>
-              <a:gdLst/>
-              <a:ahLst/>
-              <a:cxnLst/>
-              <a:rect r="r" b="b" t="t" l="l"/>
-              <a:pathLst>
-                <a:path h="1077181" w="1028218">
-                  <a:moveTo>
-                    <a:pt x="0" y="0"/>
-                  </a:moveTo>
-                  <a:lnTo>
-                    <a:pt x="1028218" y="0"/>
-                  </a:lnTo>
-                  <a:lnTo>
-                    <a:pt x="1028218" y="1077181"/>
-                  </a:lnTo>
-                  <a:lnTo>
-                    <a:pt x="0" y="1077181"/>
-                  </a:lnTo>
-                  <a:lnTo>
-                    <a:pt x="0" y="0"/>
-                  </a:lnTo>
-                  <a:close/>
-                </a:path>
-              </a:pathLst>
-            </a:custGeom>
-            <a:blipFill>
-              <a:blip r:embed="rId2">
-                <a:extLst>
-                  <a:ext uri="{96DAC541-7B7A-43D3-8B79-37D633B846F1}">
-                    <asvg:svgBlip xmlns:asvg="http://schemas.microsoft.com/office/drawing/2016/SVG/main" r:embed="rId3"/>
-                  </a:ext>
-                </a:extLst>
-              </a:blip>
-              <a:stretch>
-                <a:fillRect l="0" t="0" r="0" b="0"/>
-              </a:stretch>
-            </a:blipFill>
-          </p:spPr>
-        </p:sp>
-        <p:sp>
-          <p:nvSpPr>
-            <p:cNvPr name="Freeform 13" id="13"/>
-            <p:cNvSpPr/>
-            <p:nvPr/>
-          </p:nvSpPr>
-          <p:spPr>
-            <a:xfrm flipH="false" flipV="false" rot="0">
-              <a:off x="1743646" y="0"/>
-              <a:ext cx="703105" cy="1077181"/>
-            </a:xfrm>
-            <a:custGeom>
-              <a:avLst/>
-              <a:gdLst/>
-              <a:ahLst/>
-              <a:cxnLst/>
-              <a:rect r="r" b="b" t="t" l="l"/>
-              <a:pathLst>
-                <a:path h="1077181" w="703105">
-                  <a:moveTo>
-                    <a:pt x="0" y="0"/>
-                  </a:moveTo>
-                  <a:lnTo>
-                    <a:pt x="703105" y="0"/>
-                  </a:lnTo>
-                  <a:lnTo>
-                    <a:pt x="703105" y="1077181"/>
-                  </a:lnTo>
-                  <a:lnTo>
-                    <a:pt x="0" y="1077181"/>
-                  </a:lnTo>
-                  <a:lnTo>
-                    <a:pt x="0" y="0"/>
-                  </a:lnTo>
-                  <a:close/>
-                </a:path>
-              </a:pathLst>
-            </a:custGeom>
-            <a:blipFill>
-              <a:blip r:embed="rId4">
-                <a:extLst>
-                  <a:ext uri="{96DAC541-7B7A-43D3-8B79-37D633B846F1}">
-                    <asvg:svgBlip xmlns:asvg="http://schemas.microsoft.com/office/drawing/2016/SVG/main" r:embed="rId5"/>
-                  </a:ext>
-                </a:extLst>
-              </a:blip>
-              <a:stretch>
-                <a:fillRect l="0" t="0" r="0" b="0"/>
-              </a:stretch>
-            </a:blipFill>
-          </p:spPr>
-        </p:sp>
-      </p:grpSp>
-      <p:grpSp>
-        <p:nvGrpSpPr>
-          <p:cNvPr name="Group 14" id="14"/>
-          <p:cNvGrpSpPr/>
-          <p:nvPr/>
-        </p:nvGrpSpPr>
-        <p:grpSpPr>
-          <a:xfrm rot="0">
-            <a:off x="140526" y="8227172"/>
-            <a:ext cx="4387545" cy="1015092"/>
-            <a:chOff x="0" y="0"/>
-            <a:chExt cx="5850060" cy="1353456"/>
-          </a:xfrm>
-        </p:grpSpPr>
-        <p:sp>
-          <p:nvSpPr>
-            <p:cNvPr name="Freeform 15" id="15"/>
             <p:cNvSpPr/>
             <p:nvPr/>
           </p:nvSpPr>
@@ -6512,7 +5903,7 @@
               </a:pathLst>
             </a:custGeom>
             <a:blipFill>
-              <a:blip r:embed="rId6"/>
+              <a:blip r:embed="rId2"/>
               <a:stretch>
                 <a:fillRect l="0" t="0" r="0" b="0"/>
               </a:stretch>
@@ -6521,7 +5912,7 @@
         </p:sp>
         <p:sp>
           <p:nvSpPr>
-            <p:cNvPr name="TextBox 16" id="16"/>
+            <p:cNvPr name="TextBox 13" id="13"/>
             <p:cNvSpPr txBox="true"/>
             <p:nvPr/>
           </p:nvSpPr>
@@ -6566,7 +5957,7 @@
       </p:grpSp>
       <p:sp>
         <p:nvSpPr>
-          <p:cNvPr name="TextBox 17" id="17"/>
+          <p:cNvPr name="TextBox 14" id="14"/>
           <p:cNvSpPr txBox="true"/>
           <p:nvPr/>
         </p:nvSpPr>
@@ -6604,105 +5995,6 @@
             </a:r>
           </a:p>
         </p:txBody>
-      </p:sp>
-      <p:sp>
-        <p:nvSpPr>
-          <p:cNvPr name="TextBox 18" id="18"/>
-          <p:cNvSpPr txBox="true"/>
-          <p:nvPr/>
-        </p:nvSpPr>
-        <p:spPr>
-          <a:xfrm rot="0">
-            <a:off x="9359284" y="8640180"/>
-            <a:ext cx="6740820" cy="573405"/>
-          </a:xfrm>
-          <a:prstGeom prst="rect">
-            <a:avLst/>
-          </a:prstGeom>
-        </p:spPr>
-        <p:txBody>
-          <a:bodyPr anchor="t" rtlCol="false" tIns="0" lIns="0" bIns="0" rIns="0">
-            <a:spAutoFit/>
-          </a:bodyPr>
-          <a:lstStyle/>
-          <a:p>
-            <a:pPr algn="ctr">
-              <a:lnSpc>
-                <a:spcPts val="4620"/>
-              </a:lnSpc>
-              <a:spcBef>
-                <a:spcPct val="0"/>
-              </a:spcBef>
-            </a:pPr>
-            <a:r>
-              <a:rPr lang="en-US" b="true" sz="3300" u="sng">
-                <a:solidFill>
-                  <a:srgbClr val="00A181"/>
-                </a:solidFill>
-                <a:latin typeface="Fira Sans Medium"/>
-                <a:ea typeface="Fira Sans Medium"/>
-                <a:cs typeface="Fira Sans Medium"/>
-                <a:sym typeface="Fira Sans Medium"/>
-                <a:hlinkClick r:id="rId7" tooltip="https://youtu.be/K78dCxrKDnQ"/>
-              </a:rPr>
-              <a:t>Link &amp; Explanation</a:t>
-            </a:r>
-          </a:p>
-        </p:txBody>
-      </p:sp>
-      <p:sp>
-        <p:nvSpPr>
-          <p:cNvPr name="Freeform 19" id="19">
-            <a:hlinkClick r:id="rId10" tooltip="https://youtu.be/K78dCxrKDnQ"/>
-          </p:cNvPr>
-          <p:cNvSpPr/>
-          <p:nvPr/>
-        </p:nvSpPr>
-        <p:spPr>
-          <a:xfrm flipH="false" flipV="false" rot="0">
-            <a:off x="15032797" y="8547865"/>
-            <a:ext cx="1067306" cy="894597"/>
-          </a:xfrm>
-          <a:custGeom>
-            <a:avLst/>
-            <a:gdLst/>
-            <a:ahLst/>
-            <a:cxnLst/>
-            <a:rect r="r" b="b" t="t" l="l"/>
-            <a:pathLst>
-              <a:path h="894597" w="1067306">
-                <a:moveTo>
-                  <a:pt x="0" y="0"/>
-                </a:moveTo>
-                <a:lnTo>
-                  <a:pt x="1067307" y="0"/>
-                </a:lnTo>
-                <a:lnTo>
-                  <a:pt x="1067307" y="894597"/>
-                </a:lnTo>
-                <a:lnTo>
-                  <a:pt x="0" y="894597"/>
-                </a:lnTo>
-                <a:lnTo>
-                  <a:pt x="0" y="0"/>
-                </a:lnTo>
-                <a:close/>
-              </a:path>
-            </a:pathLst>
-          </a:custGeom>
-          <a:blipFill>
-            <a:blip r:embed="rId8">
-              <a:extLst>
-                <a:ext uri="{96DAC541-7B7A-43D3-8B79-37D633B846F1}">
-                  <asvg:svgBlip xmlns:asvg="http://schemas.microsoft.com/office/drawing/2016/SVG/main" r:embed="rId9"/>
-                </a:ext>
-              </a:extLst>
-            </a:blip>
-            <a:stretch>
-              <a:fillRect l="0" t="0" r="0" b="0"/>
-            </a:stretch>
-          </a:blipFill>
-        </p:spPr>
       </p:sp>
     </p:spTree>
   </p:cSld>
@@ -7217,134 +6509,15 @@
         </p:nvGrpSpPr>
         <p:grpSpPr>
           <a:xfrm rot="0">
-            <a:off x="8206874" y="8734718"/>
-            <a:ext cx="1835063" cy="807886"/>
+            <a:off x="140526" y="8227172"/>
+            <a:ext cx="4387545" cy="1015092"/>
             <a:chOff x="0" y="0"/>
-            <a:chExt cx="2446751" cy="1077181"/>
+            <a:chExt cx="5850060" cy="1353456"/>
           </a:xfrm>
         </p:grpSpPr>
         <p:sp>
           <p:nvSpPr>
             <p:cNvPr name="Freeform 12" id="12"/>
-            <p:cNvSpPr/>
-            <p:nvPr/>
-          </p:nvSpPr>
-          <p:spPr>
-            <a:xfrm flipH="false" flipV="false" rot="0">
-              <a:off x="0" y="0"/>
-              <a:ext cx="1028218" cy="1077181"/>
-            </a:xfrm>
-            <a:custGeom>
-              <a:avLst/>
-              <a:gdLst/>
-              <a:ahLst/>
-              <a:cxnLst/>
-              <a:rect r="r" b="b" t="t" l="l"/>
-              <a:pathLst>
-                <a:path h="1077181" w="1028218">
-                  <a:moveTo>
-                    <a:pt x="0" y="0"/>
-                  </a:moveTo>
-                  <a:lnTo>
-                    <a:pt x="1028218" y="0"/>
-                  </a:lnTo>
-                  <a:lnTo>
-                    <a:pt x="1028218" y="1077181"/>
-                  </a:lnTo>
-                  <a:lnTo>
-                    <a:pt x="0" y="1077181"/>
-                  </a:lnTo>
-                  <a:lnTo>
-                    <a:pt x="0" y="0"/>
-                  </a:lnTo>
-                  <a:close/>
-                </a:path>
-              </a:pathLst>
-            </a:custGeom>
-            <a:blipFill>
-              <a:blip r:embed="rId2">
-                <a:extLst>
-                  <a:ext uri="{96DAC541-7B7A-43D3-8B79-37D633B846F1}">
-                    <asvg:svgBlip xmlns:asvg="http://schemas.microsoft.com/office/drawing/2016/SVG/main" r:embed="rId3"/>
-                  </a:ext>
-                </a:extLst>
-              </a:blip>
-              <a:stretch>
-                <a:fillRect l="0" t="0" r="0" b="0"/>
-              </a:stretch>
-            </a:blipFill>
-          </p:spPr>
-        </p:sp>
-        <p:sp>
-          <p:nvSpPr>
-            <p:cNvPr name="Freeform 13" id="13"/>
-            <p:cNvSpPr/>
-            <p:nvPr/>
-          </p:nvSpPr>
-          <p:spPr>
-            <a:xfrm flipH="false" flipV="false" rot="0">
-              <a:off x="1743646" y="0"/>
-              <a:ext cx="703105" cy="1077181"/>
-            </a:xfrm>
-            <a:custGeom>
-              <a:avLst/>
-              <a:gdLst/>
-              <a:ahLst/>
-              <a:cxnLst/>
-              <a:rect r="r" b="b" t="t" l="l"/>
-              <a:pathLst>
-                <a:path h="1077181" w="703105">
-                  <a:moveTo>
-                    <a:pt x="0" y="0"/>
-                  </a:moveTo>
-                  <a:lnTo>
-                    <a:pt x="703105" y="0"/>
-                  </a:lnTo>
-                  <a:lnTo>
-                    <a:pt x="703105" y="1077181"/>
-                  </a:lnTo>
-                  <a:lnTo>
-                    <a:pt x="0" y="1077181"/>
-                  </a:lnTo>
-                  <a:lnTo>
-                    <a:pt x="0" y="0"/>
-                  </a:lnTo>
-                  <a:close/>
-                </a:path>
-              </a:pathLst>
-            </a:custGeom>
-            <a:blipFill>
-              <a:blip r:embed="rId4">
-                <a:extLst>
-                  <a:ext uri="{96DAC541-7B7A-43D3-8B79-37D633B846F1}">
-                    <asvg:svgBlip xmlns:asvg="http://schemas.microsoft.com/office/drawing/2016/SVG/main" r:embed="rId5"/>
-                  </a:ext>
-                </a:extLst>
-              </a:blip>
-              <a:stretch>
-                <a:fillRect l="0" t="0" r="0" b="0"/>
-              </a:stretch>
-            </a:blipFill>
-          </p:spPr>
-        </p:sp>
-      </p:grpSp>
-      <p:grpSp>
-        <p:nvGrpSpPr>
-          <p:cNvPr name="Group 14" id="14"/>
-          <p:cNvGrpSpPr/>
-          <p:nvPr/>
-        </p:nvGrpSpPr>
-        <p:grpSpPr>
-          <a:xfrm rot="0">
-            <a:off x="140526" y="8227172"/>
-            <a:ext cx="4387545" cy="1015092"/>
-            <a:chOff x="0" y="0"/>
-            <a:chExt cx="5850060" cy="1353456"/>
-          </a:xfrm>
-        </p:grpSpPr>
-        <p:sp>
-          <p:nvSpPr>
-            <p:cNvPr name="Freeform 15" id="15"/>
             <p:cNvSpPr/>
             <p:nvPr/>
           </p:nvSpPr>
@@ -7381,7 +6554,7 @@
               </a:pathLst>
             </a:custGeom>
             <a:blipFill>
-              <a:blip r:embed="rId6"/>
+              <a:blip r:embed="rId2"/>
               <a:stretch>
                 <a:fillRect l="0" t="0" r="0" b="0"/>
               </a:stretch>
@@ -7390,7 +6563,7 @@
         </p:sp>
         <p:sp>
           <p:nvSpPr>
-            <p:cNvPr name="TextBox 16" id="16"/>
+            <p:cNvPr name="TextBox 13" id="13"/>
             <p:cNvSpPr txBox="true"/>
             <p:nvPr/>
           </p:nvSpPr>
@@ -7435,61 +6608,7 @@
       </p:grpSp>
       <p:sp>
         <p:nvSpPr>
-          <p:cNvPr name="Freeform 17" id="17">
-            <a:hlinkClick r:id="rId9" tooltip="https://youtu.be/eSwmCe1R4bg"/>
-          </p:cNvPr>
-          <p:cNvSpPr/>
-          <p:nvPr/>
-        </p:nvSpPr>
-        <p:spPr>
-          <a:xfrm flipH="false" flipV="false" rot="0">
-            <a:off x="14817513" y="8794966"/>
-            <a:ext cx="1067306" cy="894597"/>
-          </a:xfrm>
-          <a:custGeom>
-            <a:avLst/>
-            <a:gdLst/>
-            <a:ahLst/>
-            <a:cxnLst/>
-            <a:rect r="r" b="b" t="t" l="l"/>
-            <a:pathLst>
-              <a:path h="894597" w="1067306">
-                <a:moveTo>
-                  <a:pt x="0" y="0"/>
-                </a:moveTo>
-                <a:lnTo>
-                  <a:pt x="1067307" y="0"/>
-                </a:lnTo>
-                <a:lnTo>
-                  <a:pt x="1067307" y="894596"/>
-                </a:lnTo>
-                <a:lnTo>
-                  <a:pt x="0" y="894596"/>
-                </a:lnTo>
-                <a:lnTo>
-                  <a:pt x="0" y="0"/>
-                </a:lnTo>
-                <a:close/>
-              </a:path>
-            </a:pathLst>
-          </a:custGeom>
-          <a:blipFill>
-            <a:blip r:embed="rId7">
-              <a:extLst>
-                <a:ext uri="{96DAC541-7B7A-43D3-8B79-37D633B846F1}">
-                  <asvg:svgBlip xmlns:asvg="http://schemas.microsoft.com/office/drawing/2016/SVG/main" r:embed="rId8"/>
-                </a:ext>
-              </a:extLst>
-            </a:blip>
-            <a:stretch>
-              <a:fillRect l="0" t="0" r="0" b="0"/>
-            </a:stretch>
-          </a:blipFill>
-        </p:spPr>
-      </p:sp>
-      <p:sp>
-        <p:nvSpPr>
-          <p:cNvPr name="TextBox 18" id="18"/>
+          <p:cNvPr name="TextBox 14" id="14"/>
           <p:cNvSpPr txBox="true"/>
           <p:nvPr/>
         </p:nvSpPr>
@@ -7524,51 +6643,6 @@
                 <a:sym typeface="Droid Arabic Naskh Bold"/>
               </a:rPr>
               <a:t>Automation</a:t>
-            </a:r>
-          </a:p>
-        </p:txBody>
-      </p:sp>
-      <p:sp>
-        <p:nvSpPr>
-          <p:cNvPr name="TextBox 19" id="19"/>
-          <p:cNvSpPr txBox="true"/>
-          <p:nvPr/>
-        </p:nvSpPr>
-        <p:spPr>
-          <a:xfrm rot="0">
-            <a:off x="9144000" y="8813858"/>
-            <a:ext cx="6740820" cy="573405"/>
-          </a:xfrm>
-          <a:prstGeom prst="rect">
-            <a:avLst/>
-          </a:prstGeom>
-        </p:spPr>
-        <p:txBody>
-          <a:bodyPr anchor="t" rtlCol="false" tIns="0" lIns="0" bIns="0" rIns="0">
-            <a:spAutoFit/>
-          </a:bodyPr>
-          <a:lstStyle/>
-          <a:p>
-            <a:pPr algn="ctr">
-              <a:lnSpc>
-                <a:spcPts val="4620"/>
-              </a:lnSpc>
-              <a:spcBef>
-                <a:spcPct val="0"/>
-              </a:spcBef>
-            </a:pPr>
-            <a:r>
-              <a:rPr lang="en-US" b="true" sz="3300" u="sng">
-                <a:solidFill>
-                  <a:srgbClr val="00A181"/>
-                </a:solidFill>
-                <a:latin typeface="Fira Sans Medium"/>
-                <a:ea typeface="Fira Sans Medium"/>
-                <a:cs typeface="Fira Sans Medium"/>
-                <a:sym typeface="Fira Sans Medium"/>
-                <a:hlinkClick r:id="rId10" tooltip="https://docs.google.com/document/d/1o5_5C6hacmFBcUwpU9-YiP20S2Jnj2jLcgCZR9ewMZ0/edit?usp=sharing"/>
-              </a:rPr>
-              <a:t>Link &amp; Explanation</a:t>
             </a:r>
           </a:p>
         </p:txBody>
@@ -8320,170 +7394,6 @@
           </a:p>
         </p:txBody>
       </p:sp>
-      <p:sp>
-        <p:nvSpPr>
-          <p:cNvPr name="TextBox 15" id="15"/>
-          <p:cNvSpPr txBox="true"/>
-          <p:nvPr/>
-        </p:nvSpPr>
-        <p:spPr>
-          <a:xfrm rot="0">
-            <a:off x="10388916" y="8986993"/>
-            <a:ext cx="5372029" cy="453392"/>
-          </a:xfrm>
-          <a:prstGeom prst="rect">
-            <a:avLst/>
-          </a:prstGeom>
-        </p:spPr>
-        <p:txBody>
-          <a:bodyPr anchor="t" rtlCol="false" tIns="0" lIns="0" bIns="0" rIns="0">
-            <a:spAutoFit/>
-          </a:bodyPr>
-          <a:lstStyle/>
-          <a:p>
-            <a:pPr algn="ctr">
-              <a:lnSpc>
-                <a:spcPts val="3681"/>
-              </a:lnSpc>
-              <a:spcBef>
-                <a:spcPct val="0"/>
-              </a:spcBef>
-            </a:pPr>
-            <a:r>
-              <a:rPr lang="en-US" b="true" sz="2629" u="sng">
-                <a:solidFill>
-                  <a:srgbClr val="00A181"/>
-                </a:solidFill>
-                <a:latin typeface="Fira Sans Medium"/>
-                <a:ea typeface="Fira Sans Medium"/>
-                <a:cs typeface="Fira Sans Medium"/>
-                <a:sym typeface="Fira Sans Medium"/>
-                <a:hlinkClick r:id="rId3" tooltip="https://docs.google.com/document/d/1kQ9ohtkD490B3tQVtJ1ch1SR4hE4YmaZ/edit"/>
-              </a:rPr>
-              <a:t>Link &amp; Explanation</a:t>
-            </a:r>
-          </a:p>
-        </p:txBody>
-      </p:sp>
-      <p:grpSp>
-        <p:nvGrpSpPr>
-          <p:cNvPr name="Group 16" id="16"/>
-          <p:cNvGrpSpPr/>
-          <p:nvPr/>
-        </p:nvGrpSpPr>
-        <p:grpSpPr>
-          <a:xfrm rot="0">
-            <a:off x="9160416" y="8734718"/>
-            <a:ext cx="1835063" cy="807886"/>
-            <a:chOff x="0" y="0"/>
-            <a:chExt cx="2446751" cy="1077181"/>
-          </a:xfrm>
-        </p:grpSpPr>
-        <p:sp>
-          <p:nvSpPr>
-            <p:cNvPr name="Freeform 17" id="17"/>
-            <p:cNvSpPr/>
-            <p:nvPr/>
-          </p:nvSpPr>
-          <p:spPr>
-            <a:xfrm flipH="false" flipV="false" rot="0">
-              <a:off x="0" y="0"/>
-              <a:ext cx="1028218" cy="1077181"/>
-            </a:xfrm>
-            <a:custGeom>
-              <a:avLst/>
-              <a:gdLst/>
-              <a:ahLst/>
-              <a:cxnLst/>
-              <a:rect r="r" b="b" t="t" l="l"/>
-              <a:pathLst>
-                <a:path h="1077181" w="1028218">
-                  <a:moveTo>
-                    <a:pt x="0" y="0"/>
-                  </a:moveTo>
-                  <a:lnTo>
-                    <a:pt x="1028218" y="0"/>
-                  </a:lnTo>
-                  <a:lnTo>
-                    <a:pt x="1028218" y="1077181"/>
-                  </a:lnTo>
-                  <a:lnTo>
-                    <a:pt x="0" y="1077181"/>
-                  </a:lnTo>
-                  <a:lnTo>
-                    <a:pt x="0" y="0"/>
-                  </a:lnTo>
-                  <a:close/>
-                </a:path>
-              </a:pathLst>
-            </a:custGeom>
-            <a:blipFill>
-              <a:blip r:embed="rId4">
-                <a:extLst>
-                  <a:ext uri="{96DAC541-7B7A-43D3-8B79-37D633B846F1}">
-                    <asvg:svgBlip xmlns:asvg="http://schemas.microsoft.com/office/drawing/2016/SVG/main" r:embed="rId5"/>
-                  </a:ext>
-                </a:extLst>
-              </a:blip>
-              <a:stretch>
-                <a:fillRect l="0" t="0" r="0" b="0"/>
-              </a:stretch>
-            </a:blipFill>
-          </p:spPr>
-        </p:sp>
-        <p:sp>
-          <p:nvSpPr>
-            <p:cNvPr name="Freeform 18" id="18"/>
-            <p:cNvSpPr/>
-            <p:nvPr/>
-          </p:nvSpPr>
-          <p:spPr>
-            <a:xfrm flipH="false" flipV="false" rot="0">
-              <a:off x="1743646" y="0"/>
-              <a:ext cx="703105" cy="1077181"/>
-            </a:xfrm>
-            <a:custGeom>
-              <a:avLst/>
-              <a:gdLst/>
-              <a:ahLst/>
-              <a:cxnLst/>
-              <a:rect r="r" b="b" t="t" l="l"/>
-              <a:pathLst>
-                <a:path h="1077181" w="703105">
-                  <a:moveTo>
-                    <a:pt x="0" y="0"/>
-                  </a:moveTo>
-                  <a:lnTo>
-                    <a:pt x="703105" y="0"/>
-                  </a:lnTo>
-                  <a:lnTo>
-                    <a:pt x="703105" y="1077181"/>
-                  </a:lnTo>
-                  <a:lnTo>
-                    <a:pt x="0" y="1077181"/>
-                  </a:lnTo>
-                  <a:lnTo>
-                    <a:pt x="0" y="0"/>
-                  </a:lnTo>
-                  <a:close/>
-                </a:path>
-              </a:pathLst>
-            </a:custGeom>
-            <a:blipFill>
-              <a:blip r:embed="rId6">
-                <a:extLst>
-                  <a:ext uri="{96DAC541-7B7A-43D3-8B79-37D633B846F1}">
-                    <asvg:svgBlip xmlns:asvg="http://schemas.microsoft.com/office/drawing/2016/SVG/main" r:embed="rId7"/>
-                  </a:ext>
-                </a:extLst>
-              </a:blip>
-              <a:stretch>
-                <a:fillRect l="0" t="0" r="0" b="0"/>
-              </a:stretch>
-            </a:blipFill>
-          </p:spPr>
-        </p:sp>
-      </p:grpSp>
     </p:spTree>
   </p:cSld>
   <p:clrMapOvr>
@@ -8983,134 +7893,15 @@
         </p:nvGrpSpPr>
         <p:grpSpPr>
           <a:xfrm rot="0">
-            <a:off x="8206874" y="8442018"/>
-            <a:ext cx="1835063" cy="807886"/>
+            <a:off x="140526" y="8227172"/>
+            <a:ext cx="4387545" cy="1015092"/>
             <a:chOff x="0" y="0"/>
-            <a:chExt cx="2446751" cy="1077181"/>
+            <a:chExt cx="5850060" cy="1353456"/>
           </a:xfrm>
         </p:grpSpPr>
         <p:sp>
           <p:nvSpPr>
             <p:cNvPr name="Freeform 12" id="12"/>
-            <p:cNvSpPr/>
-            <p:nvPr/>
-          </p:nvSpPr>
-          <p:spPr>
-            <a:xfrm flipH="false" flipV="false" rot="0">
-              <a:off x="0" y="0"/>
-              <a:ext cx="1028218" cy="1077181"/>
-            </a:xfrm>
-            <a:custGeom>
-              <a:avLst/>
-              <a:gdLst/>
-              <a:ahLst/>
-              <a:cxnLst/>
-              <a:rect r="r" b="b" t="t" l="l"/>
-              <a:pathLst>
-                <a:path h="1077181" w="1028218">
-                  <a:moveTo>
-                    <a:pt x="0" y="0"/>
-                  </a:moveTo>
-                  <a:lnTo>
-                    <a:pt x="1028218" y="0"/>
-                  </a:lnTo>
-                  <a:lnTo>
-                    <a:pt x="1028218" y="1077181"/>
-                  </a:lnTo>
-                  <a:lnTo>
-                    <a:pt x="0" y="1077181"/>
-                  </a:lnTo>
-                  <a:lnTo>
-                    <a:pt x="0" y="0"/>
-                  </a:lnTo>
-                  <a:close/>
-                </a:path>
-              </a:pathLst>
-            </a:custGeom>
-            <a:blipFill>
-              <a:blip r:embed="rId2">
-                <a:extLst>
-                  <a:ext uri="{96DAC541-7B7A-43D3-8B79-37D633B846F1}">
-                    <asvg:svgBlip xmlns:asvg="http://schemas.microsoft.com/office/drawing/2016/SVG/main" r:embed="rId3"/>
-                  </a:ext>
-                </a:extLst>
-              </a:blip>
-              <a:stretch>
-                <a:fillRect l="0" t="0" r="0" b="0"/>
-              </a:stretch>
-            </a:blipFill>
-          </p:spPr>
-        </p:sp>
-        <p:sp>
-          <p:nvSpPr>
-            <p:cNvPr name="Freeform 13" id="13"/>
-            <p:cNvSpPr/>
-            <p:nvPr/>
-          </p:nvSpPr>
-          <p:spPr>
-            <a:xfrm flipH="false" flipV="false" rot="0">
-              <a:off x="1743646" y="0"/>
-              <a:ext cx="703105" cy="1077181"/>
-            </a:xfrm>
-            <a:custGeom>
-              <a:avLst/>
-              <a:gdLst/>
-              <a:ahLst/>
-              <a:cxnLst/>
-              <a:rect r="r" b="b" t="t" l="l"/>
-              <a:pathLst>
-                <a:path h="1077181" w="703105">
-                  <a:moveTo>
-                    <a:pt x="0" y="0"/>
-                  </a:moveTo>
-                  <a:lnTo>
-                    <a:pt x="703105" y="0"/>
-                  </a:lnTo>
-                  <a:lnTo>
-                    <a:pt x="703105" y="1077181"/>
-                  </a:lnTo>
-                  <a:lnTo>
-                    <a:pt x="0" y="1077181"/>
-                  </a:lnTo>
-                  <a:lnTo>
-                    <a:pt x="0" y="0"/>
-                  </a:lnTo>
-                  <a:close/>
-                </a:path>
-              </a:pathLst>
-            </a:custGeom>
-            <a:blipFill>
-              <a:blip r:embed="rId4">
-                <a:extLst>
-                  <a:ext uri="{96DAC541-7B7A-43D3-8B79-37D633B846F1}">
-                    <asvg:svgBlip xmlns:asvg="http://schemas.microsoft.com/office/drawing/2016/SVG/main" r:embed="rId5"/>
-                  </a:ext>
-                </a:extLst>
-              </a:blip>
-              <a:stretch>
-                <a:fillRect l="0" t="0" r="0" b="0"/>
-              </a:stretch>
-            </a:blipFill>
-          </p:spPr>
-        </p:sp>
-      </p:grpSp>
-      <p:grpSp>
-        <p:nvGrpSpPr>
-          <p:cNvPr name="Group 14" id="14"/>
-          <p:cNvGrpSpPr/>
-          <p:nvPr/>
-        </p:nvGrpSpPr>
-        <p:grpSpPr>
-          <a:xfrm rot="0">
-            <a:off x="140526" y="8227172"/>
-            <a:ext cx="4387545" cy="1015092"/>
-            <a:chOff x="0" y="0"/>
-            <a:chExt cx="5850060" cy="1353456"/>
-          </a:xfrm>
-        </p:grpSpPr>
-        <p:sp>
-          <p:nvSpPr>
-            <p:cNvPr name="Freeform 15" id="15"/>
             <p:cNvSpPr/>
             <p:nvPr/>
           </p:nvSpPr>
@@ -9147,7 +7938,7 @@
               </a:pathLst>
             </a:custGeom>
             <a:blipFill>
-              <a:blip r:embed="rId6"/>
+              <a:blip r:embed="rId2"/>
               <a:stretch>
                 <a:fillRect l="0" t="0" r="0" b="0"/>
               </a:stretch>
@@ -9156,7 +7947,7 @@
         </p:sp>
         <p:sp>
           <p:nvSpPr>
-            <p:cNvPr name="TextBox 16" id="16"/>
+            <p:cNvPr name="TextBox 13" id="13"/>
             <p:cNvSpPr txBox="true"/>
             <p:nvPr/>
           </p:nvSpPr>
@@ -9201,7 +7992,7 @@
       </p:grpSp>
       <p:sp>
         <p:nvSpPr>
-          <p:cNvPr name="TextBox 17" id="17"/>
+          <p:cNvPr name="TextBox 14" id="14"/>
           <p:cNvSpPr txBox="true"/>
           <p:nvPr/>
         </p:nvSpPr>
@@ -9236,70 +8027,6 @@
                 <a:sym typeface="Droid Arabic Naskh Bold"/>
               </a:rPr>
               <a:t>Active Directory Replication Setup</a:t>
-            </a:r>
-          </a:p>
-        </p:txBody>
-      </p:sp>
-      <p:sp>
-        <p:nvSpPr>
-          <p:cNvPr name="TextBox 18" id="18"/>
-          <p:cNvSpPr txBox="true"/>
-          <p:nvPr/>
-        </p:nvSpPr>
-        <p:spPr>
-          <a:xfrm rot="0">
-            <a:off x="9124406" y="8365818"/>
-            <a:ext cx="6740820" cy="1154311"/>
-          </a:xfrm>
-          <a:prstGeom prst="rect">
-            <a:avLst/>
-          </a:prstGeom>
-        </p:spPr>
-        <p:txBody>
-          <a:bodyPr anchor="t" rtlCol="false" tIns="0" lIns="0" bIns="0" rIns="0">
-            <a:spAutoFit/>
-          </a:bodyPr>
-          <a:lstStyle/>
-          <a:p>
-            <a:pPr algn="ctr">
-              <a:lnSpc>
-                <a:spcPts val="4620"/>
-              </a:lnSpc>
-            </a:pPr>
-            <a:r>
-              <a:rPr lang="en-US" b="true" sz="3300" u="sng">
-                <a:solidFill>
-                  <a:srgbClr val="00A181"/>
-                </a:solidFill>
-                <a:latin typeface="Fira Sans Medium"/>
-                <a:ea typeface="Fira Sans Medium"/>
-                <a:cs typeface="Fira Sans Medium"/>
-                <a:sym typeface="Fira Sans Medium"/>
-                <a:hlinkClick r:id="rId7" tooltip="https://docs.google.com/document/d/1lspVmXxXJGOcb_EG5KngMkJTLPplG_7OQK26NMFuvbk/edit?usp=sharing"/>
-              </a:rPr>
-              <a:t>Link &amp; Explanation:</a:t>
-            </a:r>
-          </a:p>
-          <a:p>
-            <a:pPr algn="ctr">
-              <a:lnSpc>
-                <a:spcPts val="4620"/>
-              </a:lnSpc>
-              <a:spcBef>
-                <a:spcPct val="0"/>
-              </a:spcBef>
-            </a:pPr>
-            <a:r>
-              <a:rPr lang="en-US" b="true" sz="3300">
-                <a:solidFill>
-                  <a:srgbClr val="00A181"/>
-                </a:solidFill>
-                <a:latin typeface="Fira Sans Medium"/>
-                <a:ea typeface="Fira Sans Medium"/>
-                <a:cs typeface="Fira Sans Medium"/>
-                <a:sym typeface="Fira Sans Medium"/>
-              </a:rPr>
-              <a:t>Esraa</a:t>
             </a:r>
           </a:p>
         </p:txBody>
@@ -9917,170 +8644,6 @@
           </a:p>
         </p:txBody>
       </p:sp>
-      <p:sp>
-        <p:nvSpPr>
-          <p:cNvPr name="TextBox 15" id="15"/>
-          <p:cNvSpPr txBox="true"/>
-          <p:nvPr/>
-        </p:nvSpPr>
-        <p:spPr>
-          <a:xfrm rot="0">
-            <a:off x="9144000" y="8306312"/>
-            <a:ext cx="6740820" cy="573405"/>
-          </a:xfrm>
-          <a:prstGeom prst="rect">
-            <a:avLst/>
-          </a:prstGeom>
-        </p:spPr>
-        <p:txBody>
-          <a:bodyPr anchor="t" rtlCol="false" tIns="0" lIns="0" bIns="0" rIns="0">
-            <a:spAutoFit/>
-          </a:bodyPr>
-          <a:lstStyle/>
-          <a:p>
-            <a:pPr algn="ctr">
-              <a:lnSpc>
-                <a:spcPts val="4620"/>
-              </a:lnSpc>
-              <a:spcBef>
-                <a:spcPct val="0"/>
-              </a:spcBef>
-            </a:pPr>
-            <a:r>
-              <a:rPr lang="en-US" b="true" sz="3300" u="sng">
-                <a:solidFill>
-                  <a:srgbClr val="00A181"/>
-                </a:solidFill>
-                <a:latin typeface="Fira Sans Medium"/>
-                <a:ea typeface="Fira Sans Medium"/>
-                <a:cs typeface="Fira Sans Medium"/>
-                <a:sym typeface="Fira Sans Medium"/>
-                <a:hlinkClick r:id="rId3" tooltip="https://docs.google.com/document/d/1kxyOXdQnZDnbx88EMhaNPfmFHuX8LKod/edit"/>
-              </a:rPr>
-              <a:t>Link &amp; Explanation</a:t>
-            </a:r>
-          </a:p>
-        </p:txBody>
-      </p:sp>
-      <p:grpSp>
-        <p:nvGrpSpPr>
-          <p:cNvPr name="Group 16" id="16"/>
-          <p:cNvGrpSpPr/>
-          <p:nvPr/>
-        </p:nvGrpSpPr>
-        <p:grpSpPr>
-          <a:xfrm rot="0">
-            <a:off x="8226468" y="8227172"/>
-            <a:ext cx="1835063" cy="807886"/>
-            <a:chOff x="0" y="0"/>
-            <a:chExt cx="2446751" cy="1077181"/>
-          </a:xfrm>
-        </p:grpSpPr>
-        <p:sp>
-          <p:nvSpPr>
-            <p:cNvPr name="Freeform 17" id="17"/>
-            <p:cNvSpPr/>
-            <p:nvPr/>
-          </p:nvSpPr>
-          <p:spPr>
-            <a:xfrm flipH="false" flipV="false" rot="0">
-              <a:off x="0" y="0"/>
-              <a:ext cx="1028218" cy="1077181"/>
-            </a:xfrm>
-            <a:custGeom>
-              <a:avLst/>
-              <a:gdLst/>
-              <a:ahLst/>
-              <a:cxnLst/>
-              <a:rect r="r" b="b" t="t" l="l"/>
-              <a:pathLst>
-                <a:path h="1077181" w="1028218">
-                  <a:moveTo>
-                    <a:pt x="0" y="0"/>
-                  </a:moveTo>
-                  <a:lnTo>
-                    <a:pt x="1028218" y="0"/>
-                  </a:lnTo>
-                  <a:lnTo>
-                    <a:pt x="1028218" y="1077181"/>
-                  </a:lnTo>
-                  <a:lnTo>
-                    <a:pt x="0" y="1077181"/>
-                  </a:lnTo>
-                  <a:lnTo>
-                    <a:pt x="0" y="0"/>
-                  </a:lnTo>
-                  <a:close/>
-                </a:path>
-              </a:pathLst>
-            </a:custGeom>
-            <a:blipFill>
-              <a:blip r:embed="rId4">
-                <a:extLst>
-                  <a:ext uri="{96DAC541-7B7A-43D3-8B79-37D633B846F1}">
-                    <asvg:svgBlip xmlns:asvg="http://schemas.microsoft.com/office/drawing/2016/SVG/main" r:embed="rId5"/>
-                  </a:ext>
-                </a:extLst>
-              </a:blip>
-              <a:stretch>
-                <a:fillRect l="0" t="0" r="0" b="0"/>
-              </a:stretch>
-            </a:blipFill>
-          </p:spPr>
-        </p:sp>
-        <p:sp>
-          <p:nvSpPr>
-            <p:cNvPr name="Freeform 18" id="18"/>
-            <p:cNvSpPr/>
-            <p:nvPr/>
-          </p:nvSpPr>
-          <p:spPr>
-            <a:xfrm flipH="false" flipV="false" rot="0">
-              <a:off x="1743646" y="0"/>
-              <a:ext cx="703105" cy="1077181"/>
-            </a:xfrm>
-            <a:custGeom>
-              <a:avLst/>
-              <a:gdLst/>
-              <a:ahLst/>
-              <a:cxnLst/>
-              <a:rect r="r" b="b" t="t" l="l"/>
-              <a:pathLst>
-                <a:path h="1077181" w="703105">
-                  <a:moveTo>
-                    <a:pt x="0" y="0"/>
-                  </a:moveTo>
-                  <a:lnTo>
-                    <a:pt x="703105" y="0"/>
-                  </a:lnTo>
-                  <a:lnTo>
-                    <a:pt x="703105" y="1077181"/>
-                  </a:lnTo>
-                  <a:lnTo>
-                    <a:pt x="0" y="1077181"/>
-                  </a:lnTo>
-                  <a:lnTo>
-                    <a:pt x="0" y="0"/>
-                  </a:lnTo>
-                  <a:close/>
-                </a:path>
-              </a:pathLst>
-            </a:custGeom>
-            <a:blipFill>
-              <a:blip r:embed="rId6">
-                <a:extLst>
-                  <a:ext uri="{96DAC541-7B7A-43D3-8B79-37D633B846F1}">
-                    <asvg:svgBlip xmlns:asvg="http://schemas.microsoft.com/office/drawing/2016/SVG/main" r:embed="rId7"/>
-                  </a:ext>
-                </a:extLst>
-              </a:blip>
-              <a:stretch>
-                <a:fillRect l="0" t="0" r="0" b="0"/>
-              </a:stretch>
-            </a:blipFill>
-          </p:spPr>
-        </p:sp>
-      </p:grpSp>
     </p:spTree>
   </p:cSld>
   <p:clrMapOvr>
@@ -21466,134 +20029,15 @@
         </p:nvGrpSpPr>
         <p:grpSpPr>
           <a:xfrm rot="0">
-            <a:off x="8226468" y="8227172"/>
-            <a:ext cx="1835063" cy="807886"/>
+            <a:off x="140526" y="8227172"/>
+            <a:ext cx="4387545" cy="1015092"/>
             <a:chOff x="0" y="0"/>
-            <a:chExt cx="2446751" cy="1077181"/>
+            <a:chExt cx="5850060" cy="1353456"/>
           </a:xfrm>
         </p:grpSpPr>
         <p:sp>
           <p:nvSpPr>
             <p:cNvPr name="Freeform 12" id="12"/>
-            <p:cNvSpPr/>
-            <p:nvPr/>
-          </p:nvSpPr>
-          <p:spPr>
-            <a:xfrm flipH="false" flipV="false" rot="0">
-              <a:off x="0" y="0"/>
-              <a:ext cx="1028218" cy="1077181"/>
-            </a:xfrm>
-            <a:custGeom>
-              <a:avLst/>
-              <a:gdLst/>
-              <a:ahLst/>
-              <a:cxnLst/>
-              <a:rect r="r" b="b" t="t" l="l"/>
-              <a:pathLst>
-                <a:path h="1077181" w="1028218">
-                  <a:moveTo>
-                    <a:pt x="0" y="0"/>
-                  </a:moveTo>
-                  <a:lnTo>
-                    <a:pt x="1028218" y="0"/>
-                  </a:lnTo>
-                  <a:lnTo>
-                    <a:pt x="1028218" y="1077181"/>
-                  </a:lnTo>
-                  <a:lnTo>
-                    <a:pt x="0" y="1077181"/>
-                  </a:lnTo>
-                  <a:lnTo>
-                    <a:pt x="0" y="0"/>
-                  </a:lnTo>
-                  <a:close/>
-                </a:path>
-              </a:pathLst>
-            </a:custGeom>
-            <a:blipFill>
-              <a:blip r:embed="rId2">
-                <a:extLst>
-                  <a:ext uri="{96DAC541-7B7A-43D3-8B79-37D633B846F1}">
-                    <asvg:svgBlip xmlns:asvg="http://schemas.microsoft.com/office/drawing/2016/SVG/main" r:embed="rId3"/>
-                  </a:ext>
-                </a:extLst>
-              </a:blip>
-              <a:stretch>
-                <a:fillRect l="0" t="0" r="0" b="0"/>
-              </a:stretch>
-            </a:blipFill>
-          </p:spPr>
-        </p:sp>
-        <p:sp>
-          <p:nvSpPr>
-            <p:cNvPr name="Freeform 13" id="13"/>
-            <p:cNvSpPr/>
-            <p:nvPr/>
-          </p:nvSpPr>
-          <p:spPr>
-            <a:xfrm flipH="false" flipV="false" rot="0">
-              <a:off x="1743646" y="0"/>
-              <a:ext cx="703105" cy="1077181"/>
-            </a:xfrm>
-            <a:custGeom>
-              <a:avLst/>
-              <a:gdLst/>
-              <a:ahLst/>
-              <a:cxnLst/>
-              <a:rect r="r" b="b" t="t" l="l"/>
-              <a:pathLst>
-                <a:path h="1077181" w="703105">
-                  <a:moveTo>
-                    <a:pt x="0" y="0"/>
-                  </a:moveTo>
-                  <a:lnTo>
-                    <a:pt x="703105" y="0"/>
-                  </a:lnTo>
-                  <a:lnTo>
-                    <a:pt x="703105" y="1077181"/>
-                  </a:lnTo>
-                  <a:lnTo>
-                    <a:pt x="0" y="1077181"/>
-                  </a:lnTo>
-                  <a:lnTo>
-                    <a:pt x="0" y="0"/>
-                  </a:lnTo>
-                  <a:close/>
-                </a:path>
-              </a:pathLst>
-            </a:custGeom>
-            <a:blipFill>
-              <a:blip r:embed="rId4">
-                <a:extLst>
-                  <a:ext uri="{96DAC541-7B7A-43D3-8B79-37D633B846F1}">
-                    <asvg:svgBlip xmlns:asvg="http://schemas.microsoft.com/office/drawing/2016/SVG/main" r:embed="rId5"/>
-                  </a:ext>
-                </a:extLst>
-              </a:blip>
-              <a:stretch>
-                <a:fillRect l="0" t="0" r="0" b="0"/>
-              </a:stretch>
-            </a:blipFill>
-          </p:spPr>
-        </p:sp>
-      </p:grpSp>
-      <p:grpSp>
-        <p:nvGrpSpPr>
-          <p:cNvPr name="Group 14" id="14"/>
-          <p:cNvGrpSpPr/>
-          <p:nvPr/>
-        </p:nvGrpSpPr>
-        <p:grpSpPr>
-          <a:xfrm rot="0">
-            <a:off x="140526" y="8227172"/>
-            <a:ext cx="4387545" cy="1015092"/>
-            <a:chOff x="0" y="0"/>
-            <a:chExt cx="5850060" cy="1353456"/>
-          </a:xfrm>
-        </p:grpSpPr>
-        <p:sp>
-          <p:nvSpPr>
-            <p:cNvPr name="Freeform 15" id="15"/>
             <p:cNvSpPr/>
             <p:nvPr/>
           </p:nvSpPr>
@@ -21630,7 +20074,7 @@
               </a:pathLst>
             </a:custGeom>
             <a:blipFill>
-              <a:blip r:embed="rId6"/>
+              <a:blip r:embed="rId2"/>
               <a:stretch>
                 <a:fillRect l="0" t="0" r="0" b="0"/>
               </a:stretch>
@@ -21639,7 +20083,7 @@
         </p:sp>
         <p:sp>
           <p:nvSpPr>
-            <p:cNvPr name="TextBox 16" id="16"/>
+            <p:cNvPr name="TextBox 13" id="13"/>
             <p:cNvSpPr txBox="true"/>
             <p:nvPr/>
           </p:nvSpPr>
@@ -21684,7 +20128,7 @@
       </p:grpSp>
       <p:sp>
         <p:nvSpPr>
-          <p:cNvPr name="TextBox 17" id="17"/>
+          <p:cNvPr name="TextBox 14" id="14"/>
           <p:cNvSpPr txBox="true"/>
           <p:nvPr/>
         </p:nvSpPr>
@@ -21719,51 +20163,6 @@
                 <a:sym typeface="Droid Arabic Naskh Bold"/>
               </a:rPr>
               <a:t>Centralized User Management:</a:t>
-            </a:r>
-          </a:p>
-        </p:txBody>
-      </p:sp>
-      <p:sp>
-        <p:nvSpPr>
-          <p:cNvPr name="TextBox 18" id="18"/>
-          <p:cNvSpPr txBox="true"/>
-          <p:nvPr/>
-        </p:nvSpPr>
-        <p:spPr>
-          <a:xfrm rot="0">
-            <a:off x="9460525" y="8306312"/>
-            <a:ext cx="6740820" cy="573405"/>
-          </a:xfrm>
-          <a:prstGeom prst="rect">
-            <a:avLst/>
-          </a:prstGeom>
-        </p:spPr>
-        <p:txBody>
-          <a:bodyPr anchor="t" rtlCol="false" tIns="0" lIns="0" bIns="0" rIns="0">
-            <a:spAutoFit/>
-          </a:bodyPr>
-          <a:lstStyle/>
-          <a:p>
-            <a:pPr algn="ctr">
-              <a:lnSpc>
-                <a:spcPts val="4620"/>
-              </a:lnSpc>
-              <a:spcBef>
-                <a:spcPct val="0"/>
-              </a:spcBef>
-            </a:pPr>
-            <a:r>
-              <a:rPr lang="en-US" b="true" sz="3300" u="sng">
-                <a:solidFill>
-                  <a:srgbClr val="00A181"/>
-                </a:solidFill>
-                <a:latin typeface="Fira Sans Medium"/>
-                <a:ea typeface="Fira Sans Medium"/>
-                <a:cs typeface="Fira Sans Medium"/>
-                <a:sym typeface="Fira Sans Medium"/>
-                <a:hlinkClick r:id="rId7" tooltip="https://docs.google.com/document/d/1udC1skGA-Duf71kmfy9h72jZFmhzLPdn/edit"/>
-              </a:rPr>
-              <a:t>Link &amp; Explanation</a:t>
             </a:r>
           </a:p>
         </p:txBody>
